--- a/Presentations/Lab_5_Functions.pptx
+++ b/Presentations/Lab_5_Functions.pptx
@@ -5,17 +5,17 @@
     <p:sldMasterId id="2147483648" r:id="rId1"/>
   </p:sldMasterIdLst>
   <p:notesMasterIdLst>
-    <p:notesMasterId r:id="rId11"/>
+    <p:notesMasterId r:id="rId10"/>
   </p:notesMasterIdLst>
   <p:sldIdLst>
-    <p:sldId id="256" r:id="rId3"/>
-    <p:sldId id="261" r:id="rId4"/>
-    <p:sldId id="301" r:id="rId5"/>
-    <p:sldId id="274" r:id="rId6"/>
-    <p:sldId id="304" r:id="rId7"/>
-    <p:sldId id="305" r:id="rId8"/>
-    <p:sldId id="307" r:id="rId9"/>
-    <p:sldId id="260" r:id="rId10"/>
+    <p:sldId id="256" r:id="rId2"/>
+    <p:sldId id="261" r:id="rId3"/>
+    <p:sldId id="301" r:id="rId4"/>
+    <p:sldId id="274" r:id="rId5"/>
+    <p:sldId id="304" r:id="rId6"/>
+    <p:sldId id="305" r:id="rId7"/>
+    <p:sldId id="307" r:id="rId8"/>
+    <p:sldId id="260" r:id="rId9"/>
   </p:sldIdLst>
   <p:sldSz cx="9144000" cy="6858000" type="screen4x3"/>
   <p:notesSz cx="6858000" cy="9144000"/>
@@ -121,33 +121,36 @@
           <p14:sldIdLst>
             <p14:sldId id="256"/>
             <p14:sldId id="261"/>
+            <p14:sldId id="301"/>
             <p14:sldId id="274"/>
-            <p14:sldId id="275"/>
-            <p14:sldId id="276"/>
-            <p14:sldId id="277"/>
-            <p14:sldId id="278"/>
-            <p14:sldId id="279"/>
-            <p14:sldId id="280"/>
-            <p14:sldId id="281"/>
-            <p14:sldId id="282"/>
-            <p14:sldId id="283"/>
-            <p14:sldId id="284"/>
-            <p14:sldId id="285"/>
-            <p14:sldId id="286"/>
-            <p14:sldId id="288"/>
-            <p14:sldId id="287"/>
-            <p14:sldId id="291"/>
-            <p14:sldId id="289"/>
-            <p14:sldId id="292"/>
-            <p14:sldId id="290"/>
-            <p14:sldId id="293"/>
+            <p14:sldId id="304"/>
+            <p14:sldId id="305"/>
+            <p14:sldId id="307"/>
             <p14:sldId id="260"/>
           </p14:sldIdLst>
         </p14:section>
       </p14:sectionLst>
     </p:ext>
+    <p:ext uri="{EFAFB233-063F-42B5-8137-9DF3F51BA10A}">
+      <p15:sldGuideLst xmlns:p15="http://schemas.microsoft.com/office/powerpoint/2012/main">
+        <p15:guide id="1" orient="horz" pos="2168">
+          <p15:clr>
+            <a:srgbClr val="A4A3A4"/>
+          </p15:clr>
+        </p15:guide>
+        <p15:guide id="2" pos="2863">
+          <p15:clr>
+            <a:srgbClr val="A4A3A4"/>
+          </p15:clr>
+        </p15:guide>
+      </p15:sldGuideLst>
+    </p:ext>
   </p:extLst>
 </p:presentation>
+</file>
+
+<file path=ppt/revisionInfo.xml><?xml version="1.0" encoding="utf-8"?>
+<p1510:revInfo xmlns:a="http://schemas.openxmlformats.org/drawingml/2006/main" xmlns:r="http://schemas.openxmlformats.org/officeDocument/2006/relationships" xmlns:p1510="http://schemas.microsoft.com/office/powerpoint/2015/10/main"/>
 </file>
 
 <file path=ppt/notesMasters/notesMaster1.xml><?xml version="1.0" encoding="utf-8"?>
@@ -232,6 +235,7 @@
           <a:p>
             <a:fld id="{81CFF8C7-C57D-4492-855C-AD914604A572}" type="datetimeFigureOut">
               <a:rPr lang="ru-RU" smtClean="0"/>
+              <a:t>20.01.2018</a:t>
             </a:fld>
             <a:endParaRPr lang="ru-RU"/>
           </a:p>
@@ -298,7 +302,6 @@
               <a:rPr lang="ru-RU"/>
               <a:t>Образец текста</a:t>
             </a:r>
-            <a:endParaRPr lang="ru-RU"/>
           </a:p>
           <a:p>
             <a:pPr lvl="1"/>
@@ -306,7 +309,6 @@
               <a:rPr lang="ru-RU"/>
               <a:t>Второй уровень</a:t>
             </a:r>
-            <a:endParaRPr lang="ru-RU"/>
           </a:p>
           <a:p>
             <a:pPr lvl="2"/>
@@ -314,7 +316,6 @@
               <a:rPr lang="ru-RU"/>
               <a:t>Третий уровень</a:t>
             </a:r>
-            <a:endParaRPr lang="ru-RU"/>
           </a:p>
           <a:p>
             <a:pPr lvl="3"/>
@@ -322,7 +323,6 @@
               <a:rPr lang="ru-RU"/>
               <a:t>Четвертый уровень</a:t>
             </a:r>
-            <a:endParaRPr lang="ru-RU"/>
           </a:p>
           <a:p>
             <a:pPr lvl="4"/>
@@ -393,6 +393,7 @@
           <a:p>
             <a:fld id="{0CF71528-B6E9-4397-B8DB-FB98764CBEEF}" type="slidenum">
               <a:rPr lang="ru-RU" smtClean="0"/>
+              <a:t>‹#›</a:t>
             </a:fld>
             <a:endParaRPr lang="ru-RU"/>
           </a:p>
@@ -773,7 +774,6 @@
               <a:rPr lang="ru-RU" dirty="0"/>
               <a:t>Образец текста</a:t>
             </a:r>
-            <a:endParaRPr lang="ru-RU" dirty="0"/>
           </a:p>
           <a:p>
             <a:pPr lvl="1"/>
@@ -781,7 +781,6 @@
               <a:rPr lang="ru-RU" dirty="0"/>
               <a:t>Второй уровень</a:t>
             </a:r>
-            <a:endParaRPr lang="ru-RU" dirty="0"/>
           </a:p>
           <a:p>
             <a:pPr lvl="2"/>
@@ -789,7 +788,6 @@
               <a:rPr lang="ru-RU" dirty="0"/>
               <a:t>Третий уровень</a:t>
             </a:r>
-            <a:endParaRPr lang="ru-RU" dirty="0"/>
           </a:p>
           <a:p>
             <a:pPr lvl="3"/>
@@ -797,7 +795,6 @@
               <a:rPr lang="ru-RU" dirty="0"/>
               <a:t>Четвертый уровень</a:t>
             </a:r>
-            <a:endParaRPr lang="ru-RU" dirty="0"/>
           </a:p>
           <a:p>
             <a:pPr lvl="4"/>
@@ -834,6 +831,7 @@
           <a:p>
             <a:fld id="{33067CA6-2D92-4602-87FB-B81B94BA46B2}" type="slidenum">
               <a:rPr lang="ru-RU" smtClean="0"/>
+              <a:t>‹#›</a:t>
             </a:fld>
             <a:endParaRPr lang="ru-RU" dirty="0"/>
           </a:p>
@@ -1092,7 +1090,6 @@
               <a:rPr lang="ru-RU" dirty="0"/>
               <a:t>Образец текста</a:t>
             </a:r>
-            <a:endParaRPr lang="ru-RU" dirty="0"/>
           </a:p>
           <a:p>
             <a:pPr lvl="1"/>
@@ -1100,7 +1097,6 @@
               <a:rPr lang="ru-RU" dirty="0"/>
               <a:t>Второй уровень</a:t>
             </a:r>
-            <a:endParaRPr lang="ru-RU" dirty="0"/>
           </a:p>
           <a:p>
             <a:pPr lvl="2"/>
@@ -1108,7 +1104,6 @@
               <a:rPr lang="ru-RU" dirty="0"/>
               <a:t>Третий уровень</a:t>
             </a:r>
-            <a:endParaRPr lang="ru-RU" dirty="0"/>
           </a:p>
           <a:p>
             <a:pPr lvl="3"/>
@@ -1116,7 +1111,6 @@
               <a:rPr lang="ru-RU" dirty="0"/>
               <a:t>Четвертый уровень</a:t>
             </a:r>
-            <a:endParaRPr lang="ru-RU" dirty="0"/>
           </a:p>
           <a:p>
             <a:pPr lvl="4"/>
@@ -1153,6 +1147,7 @@
           <a:p>
             <a:fld id="{33067CA6-2D92-4602-87FB-B81B94BA46B2}" type="slidenum">
               <a:rPr lang="ru-RU" smtClean="0"/>
+              <a:t>‹#›</a:t>
             </a:fld>
             <a:endParaRPr lang="ru-RU" dirty="0"/>
           </a:p>
@@ -1268,6 +1263,7 @@
           <a:p>
             <a:fld id="{33067CA6-2D92-4602-87FB-B81B94BA46B2}" type="slidenum">
               <a:rPr lang="ru-RU" smtClean="0"/>
+              <a:t>‹#›</a:t>
             </a:fld>
             <a:endParaRPr lang="ru-RU" dirty="0"/>
           </a:p>
@@ -1298,7 +1294,6 @@
               <a:rPr lang="ru-RU" dirty="0"/>
               <a:t>Образец текста</a:t>
             </a:r>
-            <a:endParaRPr lang="ru-RU" dirty="0"/>
           </a:p>
           <a:p>
             <a:pPr lvl="1"/>
@@ -1306,7 +1301,6 @@
               <a:rPr lang="ru-RU" dirty="0"/>
               <a:t>Второй уровень</a:t>
             </a:r>
-            <a:endParaRPr lang="ru-RU" dirty="0"/>
           </a:p>
           <a:p>
             <a:pPr lvl="2"/>
@@ -1314,7 +1308,6 @@
               <a:rPr lang="ru-RU" dirty="0"/>
               <a:t>Третий уровень</a:t>
             </a:r>
-            <a:endParaRPr lang="ru-RU" dirty="0"/>
           </a:p>
           <a:p>
             <a:pPr lvl="3"/>
@@ -1322,7 +1315,6 @@
               <a:rPr lang="ru-RU" dirty="0"/>
               <a:t>Четвертый уровень</a:t>
             </a:r>
-            <a:endParaRPr lang="ru-RU" dirty="0"/>
           </a:p>
           <a:p>
             <a:pPr lvl="4"/>
@@ -1614,7 +1606,7 @@
     <p:bg>
       <p:bgPr>
         <a:blipFill dpi="0" rotWithShape="1">
-          <a:blip r:embed="rId6">
+          <a:blip r:embed="rId7">
             <a:lum/>
           </a:blip>
           <a:srcRect/>
@@ -1701,7 +1693,6 @@
               <a:rPr lang="ru-RU"/>
               <a:t>Образец текста</a:t>
             </a:r>
-            <a:endParaRPr lang="ru-RU"/>
           </a:p>
           <a:p>
             <a:pPr lvl="1"/>
@@ -1709,7 +1700,6 @@
               <a:rPr lang="ru-RU"/>
               <a:t>Второй уровень</a:t>
             </a:r>
-            <a:endParaRPr lang="ru-RU"/>
           </a:p>
           <a:p>
             <a:pPr lvl="2"/>
@@ -1717,7 +1707,6 @@
               <a:rPr lang="ru-RU"/>
               <a:t>Третий уровень</a:t>
             </a:r>
-            <a:endParaRPr lang="ru-RU"/>
           </a:p>
           <a:p>
             <a:pPr lvl="3"/>
@@ -1725,7 +1714,6 @@
               <a:rPr lang="ru-RU"/>
               <a:t>Четвертый уровень</a:t>
             </a:r>
-            <a:endParaRPr lang="ru-RU"/>
           </a:p>
           <a:p>
             <a:pPr lvl="4"/>
@@ -1771,6 +1759,7 @@
           <a:p>
             <a:fld id="{B3D7935A-E16E-4B6D-89BB-CEE100CDDA09}" type="datetime1">
               <a:rPr lang="ru-RU" smtClean="0"/>
+              <a:t>20.01.2018</a:t>
             </a:fld>
             <a:endParaRPr lang="ru-RU"/>
           </a:p>
@@ -1848,6 +1837,7 @@
           <a:p>
             <a:fld id="{33067CA6-2D92-4602-87FB-B81B94BA46B2}" type="slidenum">
               <a:rPr lang="ru-RU" smtClean="0"/>
+              <a:t>‹#›</a:t>
             </a:fld>
             <a:endParaRPr lang="ru-RU"/>
           </a:p>
@@ -2196,9 +2186,6 @@
               </a:rPr>
               <a:t>Герман Константинович</a:t>
             </a:r>
-            <a:endParaRPr lang="ru-RU" altLang="ru-RU" sz="2400" dirty="0">
-              <a:latin typeface="Noto Sans UI" charset="0"/>
-            </a:endParaRPr>
           </a:p>
           <a:p>
             <a:pPr algn="r"/>
@@ -2266,7 +2253,6 @@
               <a:rPr lang="x-none" altLang="ru-RU" dirty="0"/>
               <a:t>План</a:t>
             </a:r>
-            <a:endParaRPr lang="x-none" altLang="ru-RU" dirty="0"/>
           </a:p>
         </p:txBody>
       </p:sp>
@@ -2299,50 +2285,46 @@
               <a:rPr lang="x-none" altLang="ru-RU" dirty="0"/>
               <a:t>Задачи на пару:</a:t>
             </a:r>
-            <a:endParaRPr lang="x-none" altLang="ru-RU" dirty="0"/>
-          </a:p>
-          <a:p>
+          </a:p>
+          <a:p>
+            <a:pPr lvl="1"/>
             <a:r>
               <a:rPr lang="x-none" altLang="ru-RU" dirty="0"/>
               <a:t>Домашнее задание</a:t>
             </a:r>
-            <a:endParaRPr lang="x-none" altLang="ru-RU" dirty="0"/>
-          </a:p>
-          <a:p>
+          </a:p>
+          <a:p>
+            <a:pPr lvl="1"/>
             <a:r>
               <a:rPr lang="x-none" altLang="ru-RU" dirty="0">
                 <a:sym typeface="+mn-ea"/>
               </a:rPr>
               <a:t>Математические функции</a:t>
             </a:r>
-            <a:endParaRPr lang="x-none" altLang="ru-RU" dirty="0">
-              <a:sym typeface="+mn-ea"/>
-            </a:endParaRPr>
-          </a:p>
-          <a:p>
+          </a:p>
+          <a:p>
+            <a:pPr lvl="1"/>
             <a:r>
               <a:rPr lang="x-none" altLang="ru-RU" dirty="0">
                 <a:sym typeface="+mn-ea"/>
               </a:rPr>
               <a:t>Строковые функции</a:t>
             </a:r>
-            <a:endParaRPr lang="x-none" altLang="ru-RU" dirty="0">
-              <a:sym typeface="+mn-ea"/>
-            </a:endParaRPr>
-          </a:p>
-          <a:p>
+          </a:p>
+          <a:p>
+            <a:pPr lvl="1"/>
             <a:r>
               <a:rPr lang="x-none" altLang="ru-RU" dirty="0"/>
               <a:t>Условные функции</a:t>
             </a:r>
-            <a:endParaRPr lang="x-none" altLang="ru-RU" dirty="0"/>
-          </a:p>
-          <a:p>
+          </a:p>
+          <a:p>
+            <a:pPr lvl="1"/>
             <a:r>
               <a:rPr lang="x-none" altLang="ru-RU" dirty="0"/>
               <a:t>Другие функции</a:t>
             </a:r>
-            <a:endParaRPr lang="x-none"/>
+            <a:endParaRPr lang="x-none" dirty="0"/>
           </a:p>
         </p:txBody>
       </p:sp>
@@ -2363,6 +2345,7 @@
           <a:p>
             <a:fld id="{33067CA6-2D92-4602-87FB-B81B94BA46B2}" type="slidenum">
               <a:rPr lang="ru-RU" smtClean="0"/>
+              <a:t>2</a:t>
             </a:fld>
             <a:endParaRPr lang="ru-RU" dirty="0"/>
           </a:p>
@@ -2385,7 +2368,14 @@
         <p:cNvGrpSpPr/>
         <p:nvPr/>
       </p:nvGrpSpPr>
-      <p:grpSpPr/>
+      <p:grpSpPr>
+        <a:xfrm>
+          <a:off x="0" y="0"/>
+          <a:ext cx="0" cy="0"/>
+          <a:chOff x="0" y="0"/>
+          <a:chExt cx="0" cy="0"/>
+        </a:xfrm>
+      </p:grpSpPr>
       <p:sp>
         <p:nvSpPr>
           <p:cNvPr id="2" name="Title 1"/>
@@ -2401,12 +2391,12 @@
           <a:bodyPr>
             <a:normAutofit fontScale="90000"/>
           </a:bodyPr>
+          <a:lstStyle/>
           <a:p>
             <a:r>
               <a:rPr lang="x-none" altLang="ru-RU"/>
               <a:t>Домашнее задание</a:t>
             </a:r>
-            <a:endParaRPr lang="x-none" altLang="ru-RU"/>
           </a:p>
         </p:txBody>
       </p:sp>
@@ -2423,6 +2413,7 @@
         <p:spPr/>
         <p:txBody>
           <a:bodyPr/>
+          <a:lstStyle/>
           <a:p>
             <a:pPr marL="0" indent="0">
               <a:buNone/>
@@ -2431,7 +2422,6 @@
               <a:rPr lang="x-none" altLang="ru-RU" sz="2400"/>
               <a:t>Критерии оценки:</a:t>
             </a:r>
-            <a:endParaRPr lang="x-none" altLang="ru-RU" sz="2400"/>
           </a:p>
           <a:p>
             <a:endParaRPr lang="ru-RU" altLang="en-US" sz="2400"/>
@@ -2455,28 +2445,24 @@
               <a:rPr lang="x-none" altLang="ru-RU" sz="2400"/>
               <a:t>Правильные JOIN</a:t>
             </a:r>
-            <a:endParaRPr lang="x-none" altLang="ru-RU" sz="2400"/>
           </a:p>
           <a:p>
             <a:r>
               <a:rPr lang="x-none" altLang="ru-RU" sz="2400"/>
               <a:t>Правильные группировки</a:t>
             </a:r>
-            <a:endParaRPr lang="x-none" altLang="ru-RU" sz="2400"/>
           </a:p>
           <a:p>
             <a:r>
               <a:rPr lang="x-none" sz="2400"/>
               <a:t>Уникальность запроса</a:t>
             </a:r>
-            <a:endParaRPr lang="x-none" sz="2400"/>
           </a:p>
           <a:p>
             <a:r>
               <a:rPr lang="x-none" altLang="ru-RU" sz="2400"/>
               <a:t>Оптимизация</a:t>
             </a:r>
-            <a:endParaRPr lang="x-none" altLang="ru-RU" sz="2400"/>
           </a:p>
         </p:txBody>
       </p:sp>
@@ -2484,14 +2470,14 @@
         <p:nvPicPr>
           <p:cNvPr id="8" name="Content Placeholder 7" descr="1428257369706"/>
           <p:cNvPicPr>
-            <a:picLocks noChangeAspect="1"/>
+            <a:picLocks noGrp="1" noChangeAspect="1"/>
           </p:cNvPicPr>
           <p:nvPr>
             <p:ph idx="13"/>
           </p:nvPr>
         </p:nvPicPr>
         <p:blipFill>
-          <a:blip r:embed="rId1"/>
+          <a:blip r:embed="rId2"/>
           <a:stretch>
             <a:fillRect/>
           </a:stretch>
@@ -2519,9 +2505,11 @@
         <p:spPr/>
         <p:txBody>
           <a:bodyPr/>
+          <a:lstStyle/>
           <a:p>
             <a:fld id="{33067CA6-2D92-4602-87FB-B81B94BA46B2}" type="slidenum">
               <a:rPr lang="ru-RU" smtClean="0"/>
+              <a:t>3</a:t>
             </a:fld>
             <a:endParaRPr lang="ru-RU" dirty="0"/>
           </a:p>
@@ -2531,14 +2519,14 @@
         <p:nvPicPr>
           <p:cNvPr id="16" name="Content Placeholder 15" descr="1480268243_5"/>
           <p:cNvPicPr>
-            <a:picLocks noChangeAspect="1"/>
+            <a:picLocks noGrp="1" noChangeAspect="1"/>
           </p:cNvPicPr>
           <p:nvPr>
             <p:ph idx="14"/>
           </p:nvPr>
         </p:nvPicPr>
         <p:blipFill>
-          <a:blip r:embed="rId2"/>
+          <a:blip r:embed="rId3"/>
           <a:stretch>
             <a:fillRect/>
           </a:stretch>
@@ -2557,14 +2545,14 @@
         <p:nvPicPr>
           <p:cNvPr id="18" name="Content Placeholder 17" descr="126717.b"/>
           <p:cNvPicPr>
-            <a:picLocks noChangeAspect="1"/>
+            <a:picLocks noGrp="1" noChangeAspect="1"/>
           </p:cNvPicPr>
           <p:nvPr>
             <p:ph idx="15"/>
           </p:nvPr>
         </p:nvPicPr>
         <p:blipFill>
-          <a:blip r:embed="rId3"/>
+          <a:blip r:embed="rId4"/>
           <a:stretch>
             <a:fillRect/>
           </a:stretch>
@@ -2653,6 +2641,7 @@
           <a:p>
             <a:fld id="{33067CA6-2D92-4602-87FB-B81B94BA46B2}" type="slidenum">
               <a:rPr lang="ru-RU" smtClean="0"/>
+              <a:t>4</a:t>
             </a:fld>
             <a:endParaRPr lang="ru-RU" dirty="0"/>
           </a:p>
@@ -2678,6 +2667,7 @@
           <a:bodyPr wrap="square" rtlCol="0" anchor="t">
             <a:spAutoFit/>
           </a:bodyPr>
+          <a:lstStyle/>
           <a:p>
             <a:r>
               <a:rPr lang="x-none" altLang="ru-RU" sz="2400">
@@ -2687,11 +2677,6 @@
               </a:rPr>
               <a:t>Математические операторы:</a:t>
             </a:r>
-            <a:endParaRPr lang="x-none" altLang="ru-RU" sz="2400">
-              <a:solidFill>
-                <a:srgbClr val="9F2D20"/>
-              </a:solidFill>
-            </a:endParaRPr>
           </a:p>
           <a:p>
             <a:pPr marL="742950" lvl="1" indent="-285750">
@@ -2706,11 +2691,6 @@
               </a:rPr>
               <a:t>Сложение/Умножение/etc</a:t>
             </a:r>
-            <a:endParaRPr lang="x-none" altLang="ru-RU" sz="2000">
-              <a:solidFill>
-                <a:schemeClr val="tx1"/>
-              </a:solidFill>
-            </a:endParaRPr>
           </a:p>
           <a:p>
             <a:pPr marL="742950" lvl="1" indent="-285750">
@@ -2725,11 +2705,6 @@
               </a:rPr>
               <a:t>Возведение в квадрат/куб/факториал/модуль</a:t>
             </a:r>
-            <a:endParaRPr lang="x-none" altLang="ru-RU" sz="2000">
-              <a:solidFill>
-                <a:schemeClr val="tx1"/>
-              </a:solidFill>
-            </a:endParaRPr>
           </a:p>
           <a:p>
             <a:pPr marL="742950" lvl="1" indent="-285750">
@@ -2766,11 +2741,6 @@
               </a:rPr>
               <a:t>Математические функции:</a:t>
             </a:r>
-            <a:endParaRPr lang="x-none" altLang="ru-RU" sz="2400">
-              <a:solidFill>
-                <a:srgbClr val="9F2D20"/>
-              </a:solidFill>
-            </a:endParaRPr>
           </a:p>
           <a:p>
             <a:pPr marL="742950" lvl="1" indent="-285750">
@@ -2785,11 +2755,6 @@
               </a:rPr>
               <a:t>Возведение в степень, логарифмы</a:t>
             </a:r>
-            <a:endParaRPr lang="x-none" altLang="ru-RU" sz="2000">
-              <a:solidFill>
-                <a:schemeClr val="tx1"/>
-              </a:solidFill>
-            </a:endParaRPr>
           </a:p>
           <a:p>
             <a:pPr marL="742950" lvl="1" indent="-285750">
@@ -2826,11 +2791,6 @@
               </a:rPr>
               <a:t>Тригонометрические функции</a:t>
             </a:r>
-            <a:endParaRPr lang="x-none" altLang="ru-RU" sz="2400">
-              <a:solidFill>
-                <a:srgbClr val="9F2D20"/>
-              </a:solidFill>
-            </a:endParaRPr>
           </a:p>
           <a:p>
             <a:pPr marL="742950" lvl="1" indent="-285750">
@@ -2915,6 +2875,7 @@
           <a:p>
             <a:fld id="{33067CA6-2D92-4602-87FB-B81B94BA46B2}" type="slidenum">
               <a:rPr lang="ru-RU" smtClean="0"/>
+              <a:t>5</a:t>
             </a:fld>
             <a:endParaRPr lang="ru-RU" dirty="0"/>
           </a:p>
@@ -2940,6 +2901,7 @@
           <a:bodyPr wrap="square" rtlCol="0" anchor="t">
             <a:spAutoFit/>
           </a:bodyPr>
+          <a:lstStyle/>
           <a:p>
             <a:r>
               <a:rPr lang="x-none" sz="2400">
@@ -2949,11 +2911,6 @@
               </a:rPr>
               <a:t>Обычные строки</a:t>
             </a:r>
-            <a:endParaRPr lang="x-none" sz="2400">
-              <a:solidFill>
-                <a:srgbClr val="9F2D20"/>
-              </a:solidFill>
-            </a:endParaRPr>
           </a:p>
           <a:p>
             <a:pPr marL="342900" indent="-342900">
@@ -2968,11 +2925,6 @@
               </a:rPr>
               <a:t>SQL строковые функции и операторы</a:t>
             </a:r>
-            <a:endParaRPr lang="x-none" sz="2000">
-              <a:solidFill>
-                <a:schemeClr val="tx1"/>
-              </a:solidFill>
-            </a:endParaRPr>
           </a:p>
           <a:p>
             <a:pPr marL="342900" indent="-342900">
@@ -2987,11 +2939,6 @@
               </a:rPr>
               <a:t>Другие строковые функции</a:t>
             </a:r>
-            <a:endParaRPr lang="x-none" sz="2000">
-              <a:solidFill>
-                <a:schemeClr val="tx1"/>
-              </a:solidFill>
-            </a:endParaRPr>
           </a:p>
           <a:p>
             <a:pPr marL="342900" indent="-342900">
@@ -3006,11 +2953,6 @@
               </a:rPr>
               <a:t>Встроенные преобразования</a:t>
             </a:r>
-            <a:endParaRPr lang="x-none" sz="2000">
-              <a:solidFill>
-                <a:schemeClr val="tx1"/>
-              </a:solidFill>
-            </a:endParaRPr>
           </a:p>
           <a:p>
             <a:pPr marL="342900" indent="-342900">
@@ -3033,11 +2975,6 @@
               </a:rPr>
               <a:t>Бинарные строки</a:t>
             </a:r>
-            <a:endParaRPr lang="x-none" sz="2400">
-              <a:solidFill>
-                <a:srgbClr val="9F2D20"/>
-              </a:solidFill>
-            </a:endParaRPr>
           </a:p>
           <a:p>
             <a:pPr marL="342900" indent="-342900">
@@ -3048,7 +2985,6 @@
               <a:rPr lang="x-none" sz="2000"/>
               <a:t>Операторы и функции для работы с битовыми строками</a:t>
             </a:r>
-            <a:endParaRPr lang="x-none" sz="2000"/>
           </a:p>
           <a:p>
             <a:pPr marL="342900" indent="-342900">
@@ -3059,7 +2995,6 @@
               <a:rPr lang="x-none" sz="2000"/>
               <a:t>Другие функции для работы с бинарными строками</a:t>
             </a:r>
-            <a:endParaRPr lang="x-none" sz="2000"/>
           </a:p>
           <a:p>
             <a:pPr marL="342900" indent="-342900">
@@ -3077,11 +3012,6 @@
               </a:rPr>
               <a:t>Bit String</a:t>
             </a:r>
-            <a:endParaRPr lang="x-none" sz="2400">
-              <a:solidFill>
-                <a:srgbClr val="9F2D20"/>
-              </a:solidFill>
-            </a:endParaRPr>
           </a:p>
           <a:p>
             <a:endParaRPr lang="x-none" sz="2400">
@@ -3191,15 +3121,7 @@
                   <a:srgbClr val="9F2D20"/>
                 </a:solidFill>
               </a:rPr>
-              <a:t>CASE </a:t>
-            </a:r>
-            <a:r>
-              <a:rPr lang="x-none" sz="2400" dirty="0">
-                <a:solidFill>
-                  <a:srgbClr val="9F2D20"/>
-                </a:solidFill>
-              </a:rPr>
-              <a:t>WHEN </a:t>
+              <a:t>CASE WHEN </a:t>
             </a:r>
             <a:r>
               <a:rPr lang="x-none" sz="2400" dirty="0"/>
@@ -3217,7 +3139,6 @@
               <a:rPr lang="x-none" sz="2400" dirty="0"/>
               <a:t>result</a:t>
             </a:r>
-            <a:endParaRPr lang="x-none" sz="2400" dirty="0"/>
           </a:p>
           <a:p>
             <a:pPr marL="0" indent="0">
@@ -3239,7 +3160,6 @@
               <a:rPr lang="x-none" sz="2400" dirty="0"/>
               <a:t>...]</a:t>
             </a:r>
-            <a:endParaRPr lang="x-none" sz="2400" dirty="0"/>
           </a:p>
           <a:p>
             <a:pPr marL="0" indent="0">
@@ -3261,7 +3181,6 @@
               <a:rPr lang="x-none" sz="2400" dirty="0"/>
               <a:t>result]</a:t>
             </a:r>
-            <a:endParaRPr lang="x-none" sz="2400" dirty="0"/>
           </a:p>
           <a:p>
             <a:pPr marL="0" indent="0">
@@ -3275,11 +3194,6 @@
               </a:rPr>
               <a:t>END</a:t>
             </a:r>
-            <a:endParaRPr lang="x-none" sz="2400" dirty="0">
-              <a:solidFill>
-                <a:srgbClr val="9F2D20"/>
-              </a:solidFill>
-            </a:endParaRPr>
           </a:p>
           <a:p>
             <a:pPr marL="0" indent="0">
@@ -3313,13 +3227,6 @@
               </a:rPr>
               <a:t>//  first not null</a:t>
             </a:r>
-            <a:endParaRPr lang="x-none" sz="2400" dirty="0">
-              <a:solidFill>
-                <a:schemeClr val="accent3">
-                  <a:lumMod val="75000"/>
-                </a:schemeClr>
-              </a:solidFill>
-            </a:endParaRPr>
           </a:p>
           <a:p>
             <a:pPr marL="0" indent="0">
@@ -3347,7 +3254,6 @@
               <a:rPr lang="x-none" sz="2400" dirty="0"/>
               <a:t>(value [, ...])</a:t>
             </a:r>
-            <a:endParaRPr lang="x-none" sz="2400" dirty="0"/>
           </a:p>
           <a:p>
             <a:pPr marL="0" indent="0">
@@ -3365,7 +3271,6 @@
               <a:rPr lang="x-none" sz="2400" dirty="0"/>
               <a:t>(value [,...])</a:t>
             </a:r>
-            <a:endParaRPr lang="x-none" sz="2400" dirty="0"/>
           </a:p>
         </p:txBody>
       </p:sp>
@@ -3386,6 +3291,7 @@
           <a:p>
             <a:fld id="{33067CA6-2D92-4602-87FB-B81B94BA46B2}" type="slidenum">
               <a:rPr lang="ru-RU" smtClean="0"/>
+              <a:t>6</a:t>
             </a:fld>
             <a:endParaRPr lang="ru-RU" dirty="0"/>
           </a:p>
@@ -3481,11 +3387,6 @@
               </a:rPr>
               <a:t>Форматирования времени</a:t>
             </a:r>
-            <a:endParaRPr lang="x-none" sz="1800" dirty="0">
-              <a:solidFill>
-                <a:srgbClr val="9F2D20"/>
-              </a:solidFill>
-            </a:endParaRPr>
           </a:p>
           <a:p>
             <a:pPr marL="0" indent="0">
@@ -3499,11 +3400,6 @@
               </a:rPr>
               <a:t>Временные</a:t>
             </a:r>
-            <a:endParaRPr lang="x-none" sz="1800" dirty="0">
-              <a:solidFill>
-                <a:srgbClr val="9F2D20"/>
-              </a:solidFill>
-            </a:endParaRPr>
           </a:p>
           <a:p>
             <a:pPr marL="742950" lvl="1" indent="-285750"/>
@@ -3531,7 +3427,6 @@
               <a:rPr lang="x-none" sz="1800" dirty="0"/>
               <a:t>)</a:t>
             </a:r>
-            <a:endParaRPr lang="x-none" sz="1800" dirty="0"/>
           </a:p>
           <a:p>
             <a:pPr marL="742950" lvl="1" indent="-285750"/>
@@ -3539,7 +3434,6 @@
               <a:rPr lang="x-none" sz="1800" dirty="0"/>
               <a:t>date_part(text, timestamp)</a:t>
             </a:r>
-            <a:endParaRPr lang="x-none" sz="1800" dirty="0"/>
           </a:p>
           <a:p>
             <a:pPr marL="742950" lvl="1" indent="-285750"/>
@@ -3547,7 +3441,6 @@
               <a:rPr lang="x-none" sz="1800" dirty="0"/>
               <a:t>now()</a:t>
             </a:r>
-            <a:endParaRPr lang="x-none" sz="1800" dirty="0"/>
           </a:p>
           <a:p>
             <a:pPr marL="742950" lvl="1" indent="-285750"/>
@@ -3555,7 +3448,6 @@
               <a:rPr lang="x-none" sz="1800" dirty="0"/>
               <a:t>clock_timestamp()</a:t>
             </a:r>
-            <a:endParaRPr lang="x-none" sz="1800" dirty="0"/>
           </a:p>
           <a:p>
             <a:pPr marL="0" indent="0">
@@ -3569,11 +3461,6 @@
               </a:rPr>
               <a:t>Работы с перечислениями</a:t>
             </a:r>
-            <a:endParaRPr lang="x-none" sz="1800" dirty="0">
-              <a:solidFill>
-                <a:srgbClr val="9F2D20"/>
-              </a:solidFill>
-            </a:endParaRPr>
           </a:p>
           <a:p>
             <a:pPr marL="0" indent="0">
@@ -3587,11 +3474,6 @@
               </a:rPr>
               <a:t>Геометрические</a:t>
             </a:r>
-            <a:endParaRPr lang="x-none" sz="1800" dirty="0">
-              <a:solidFill>
-                <a:srgbClr val="9F2D20"/>
-              </a:solidFill>
-            </a:endParaRPr>
           </a:p>
           <a:p>
             <a:pPr marL="0" indent="0">
@@ -3605,11 +3487,6 @@
               </a:rPr>
               <a:t>IP адресов</a:t>
             </a:r>
-            <a:endParaRPr lang="x-none" sz="1800" dirty="0">
-              <a:solidFill>
-                <a:srgbClr val="9F2D20"/>
-              </a:solidFill>
-            </a:endParaRPr>
           </a:p>
           <a:p>
             <a:pPr marL="0" indent="0">
@@ -3623,11 +3500,6 @@
               </a:rPr>
               <a:t>Полнотекстового поиска</a:t>
             </a:r>
-            <a:endParaRPr lang="x-none" sz="1800" dirty="0">
-              <a:solidFill>
-                <a:srgbClr val="9F2D20"/>
-              </a:solidFill>
-            </a:endParaRPr>
           </a:p>
           <a:p>
             <a:pPr marL="0" indent="0">
@@ -3641,11 +3513,6 @@
               </a:rPr>
               <a:t>Работы с последовательностями</a:t>
             </a:r>
-            <a:endParaRPr lang="x-none" sz="1800" dirty="0">
-              <a:solidFill>
-                <a:srgbClr val="9F2D20"/>
-              </a:solidFill>
-            </a:endParaRPr>
           </a:p>
           <a:p>
             <a:pPr marL="0" indent="0">
@@ -3659,11 +3526,6 @@
               </a:rPr>
               <a:t>Работы с массивами, JSON, XML</a:t>
             </a:r>
-            <a:endParaRPr lang="x-none" sz="1800" dirty="0">
-              <a:solidFill>
-                <a:srgbClr val="9F2D20"/>
-              </a:solidFill>
-            </a:endParaRPr>
           </a:p>
           <a:p>
             <a:pPr marL="0" indent="0">
@@ -3677,11 +3539,6 @@
               </a:rPr>
               <a:t>Работы с подзапросами</a:t>
             </a:r>
-            <a:endParaRPr lang="x-none" sz="1800" dirty="0">
-              <a:solidFill>
-                <a:srgbClr val="9F2D20"/>
-              </a:solidFill>
-            </a:endParaRPr>
           </a:p>
         </p:txBody>
       </p:sp>
@@ -3702,6 +3559,7 @@
           <a:p>
             <a:fld id="{33067CA6-2D92-4602-87FB-B81B94BA46B2}" type="slidenum">
               <a:rPr lang="ru-RU" smtClean="0"/>
+              <a:t>7</a:t>
             </a:fld>
             <a:endParaRPr lang="ru-RU" dirty="0"/>
           </a:p>
